--- a/trunk/DOC/isa_encoding.pptx
+++ b/trunk/DOC/isa_encoding.pptx
@@ -245,7 +245,7 @@
           <a:p>
             <a:fld id="{EE595349-DA93-472D-828A-76CE9E4C1479}" type="datetimeFigureOut">
               <a:rPr lang="ru-RU" smtClean="0"/>
-              <a:t>26.07.2014</a:t>
+              <a:t>15.08.2014</a:t>
             </a:fld>
             <a:endParaRPr lang="ru-RU"/>
           </a:p>
@@ -415,7 +415,7 @@
           <a:p>
             <a:fld id="{EE595349-DA93-472D-828A-76CE9E4C1479}" type="datetimeFigureOut">
               <a:rPr lang="ru-RU" smtClean="0"/>
-              <a:t>26.07.2014</a:t>
+              <a:t>15.08.2014</a:t>
             </a:fld>
             <a:endParaRPr lang="ru-RU"/>
           </a:p>
@@ -595,7 +595,7 @@
           <a:p>
             <a:fld id="{EE595349-DA93-472D-828A-76CE9E4C1479}" type="datetimeFigureOut">
               <a:rPr lang="ru-RU" smtClean="0"/>
-              <a:t>26.07.2014</a:t>
+              <a:t>15.08.2014</a:t>
             </a:fld>
             <a:endParaRPr lang="ru-RU"/>
           </a:p>
@@ -765,7 +765,7 @@
           <a:p>
             <a:fld id="{EE595349-DA93-472D-828A-76CE9E4C1479}" type="datetimeFigureOut">
               <a:rPr lang="ru-RU" smtClean="0"/>
-              <a:t>26.07.2014</a:t>
+              <a:t>15.08.2014</a:t>
             </a:fld>
             <a:endParaRPr lang="ru-RU"/>
           </a:p>
@@ -1011,7 +1011,7 @@
           <a:p>
             <a:fld id="{EE595349-DA93-472D-828A-76CE9E4C1479}" type="datetimeFigureOut">
               <a:rPr lang="ru-RU" smtClean="0"/>
-              <a:t>26.07.2014</a:t>
+              <a:t>15.08.2014</a:t>
             </a:fld>
             <a:endParaRPr lang="ru-RU"/>
           </a:p>
@@ -1243,7 +1243,7 @@
           <a:p>
             <a:fld id="{EE595349-DA93-472D-828A-76CE9E4C1479}" type="datetimeFigureOut">
               <a:rPr lang="ru-RU" smtClean="0"/>
-              <a:t>26.07.2014</a:t>
+              <a:t>15.08.2014</a:t>
             </a:fld>
             <a:endParaRPr lang="ru-RU"/>
           </a:p>
@@ -1610,7 +1610,7 @@
           <a:p>
             <a:fld id="{EE595349-DA93-472D-828A-76CE9E4C1479}" type="datetimeFigureOut">
               <a:rPr lang="ru-RU" smtClean="0"/>
-              <a:t>26.07.2014</a:t>
+              <a:t>15.08.2014</a:t>
             </a:fld>
             <a:endParaRPr lang="ru-RU"/>
           </a:p>
@@ -1728,7 +1728,7 @@
           <a:p>
             <a:fld id="{EE595349-DA93-472D-828A-76CE9E4C1479}" type="datetimeFigureOut">
               <a:rPr lang="ru-RU" smtClean="0"/>
-              <a:t>26.07.2014</a:t>
+              <a:t>15.08.2014</a:t>
             </a:fld>
             <a:endParaRPr lang="ru-RU"/>
           </a:p>
@@ -1823,7 +1823,7 @@
           <a:p>
             <a:fld id="{EE595349-DA93-472D-828A-76CE9E4C1479}" type="datetimeFigureOut">
               <a:rPr lang="ru-RU" smtClean="0"/>
-              <a:t>26.07.2014</a:t>
+              <a:t>15.08.2014</a:t>
             </a:fld>
             <a:endParaRPr lang="ru-RU"/>
           </a:p>
@@ -2100,7 +2100,7 @@
           <a:p>
             <a:fld id="{EE595349-DA93-472D-828A-76CE9E4C1479}" type="datetimeFigureOut">
               <a:rPr lang="ru-RU" smtClean="0"/>
-              <a:t>26.07.2014</a:t>
+              <a:t>15.08.2014</a:t>
             </a:fld>
             <a:endParaRPr lang="ru-RU"/>
           </a:p>
@@ -2353,7 +2353,7 @@
           <a:p>
             <a:fld id="{EE595349-DA93-472D-828A-76CE9E4C1479}" type="datetimeFigureOut">
               <a:rPr lang="ru-RU" smtClean="0"/>
-              <a:t>26.07.2014</a:t>
+              <a:t>15.08.2014</a:t>
             </a:fld>
             <a:endParaRPr lang="ru-RU"/>
           </a:p>
@@ -2566,7 +2566,7 @@
           <a:p>
             <a:fld id="{EE595349-DA93-472D-828A-76CE9E4C1479}" type="datetimeFigureOut">
               <a:rPr lang="ru-RU" smtClean="0"/>
-              <a:t>26.07.2014</a:t>
+              <a:t>15.08.2014</a:t>
             </a:fld>
             <a:endParaRPr lang="ru-RU"/>
           </a:p>
@@ -4335,11 +4335,7 @@
           <a:p>
             <a:r>
               <a:rPr lang="en-US" dirty="0" smtClean="0"/>
-              <a:t>R0                 R1                 R2                             not used               </a:t>
-            </a:r>
-            <a:r>
-              <a:rPr lang="en-US" dirty="0" smtClean="0"/>
-              <a:t>     </a:t>
+              <a:t>R0                 R1                 R2                             not used                    </a:t>
             </a:r>
             <a:r>
               <a:rPr lang="en-US" dirty="0" err="1" smtClean="0"/>
@@ -4347,11 +4343,7 @@
             </a:r>
             <a:r>
               <a:rPr lang="en-US" dirty="0" smtClean="0"/>
-              <a:t> </a:t>
-            </a:r>
-            <a:r>
-              <a:rPr lang="en-US" dirty="0" smtClean="0"/>
-              <a:t>flags</a:t>
+              <a:t> flags</a:t>
             </a:r>
             <a:endParaRPr lang="ru-RU" dirty="0"/>
           </a:p>
@@ -4675,6 +4667,95 @@
               <a:t>1</a:t>
             </a:r>
             <a:endParaRPr lang="ru-RU" dirty="0"/>
+          </a:p>
+        </p:txBody>
+      </p:sp>
+      <p:sp>
+        <p:nvSpPr>
+          <p:cNvPr id="50" name="TextBox 49"/>
+          <p:cNvSpPr txBox="1"/>
+          <p:nvPr/>
+        </p:nvSpPr>
+        <p:spPr>
+          <a:xfrm>
+            <a:off x="535707" y="5580185"/>
+            <a:ext cx="8819308" cy="1200329"/>
+          </a:xfrm>
+          <a:prstGeom prst="rect">
+            <a:avLst/>
+          </a:prstGeom>
+          <a:noFill/>
+        </p:spPr>
+        <p:txBody>
+          <a:bodyPr wrap="square" rtlCol="0">
+            <a:spAutoFit/>
+          </a:bodyPr>
+          <a:lstStyle/>
+          <a:p>
+            <a:r>
+              <a:rPr lang="pt-BR" dirty="0">
+                <a:latin typeface="Courier New" panose="02070309020205020404" pitchFamily="49" charset="0"/>
+                <a:cs typeface="Courier New" panose="02070309020205020404" pitchFamily="49" charset="0"/>
+              </a:rPr>
+              <a:t>i, 1, a, or,  R2, R0, </a:t>
+            </a:r>
+            <a:r>
+              <a:rPr lang="pt-BR" dirty="0" smtClean="0">
+                <a:latin typeface="Courier New" panose="02070309020205020404" pitchFamily="49" charset="0"/>
+                <a:cs typeface="Courier New" panose="02070309020205020404" pitchFamily="49" charset="0"/>
+              </a:rPr>
+              <a:t>R0  // r2 := (r0 | 2) </a:t>
+            </a:r>
+            <a:endParaRPr lang="pt-BR" dirty="0">
+              <a:latin typeface="Courier New" panose="02070309020205020404" pitchFamily="49" charset="0"/>
+              <a:cs typeface="Courier New" panose="02070309020205020404" pitchFamily="49" charset="0"/>
+            </a:endParaRPr>
+          </a:p>
+          <a:p>
+            <a:r>
+              <a:rPr lang="pt-BR" dirty="0">
+                <a:latin typeface="Courier New" panose="02070309020205020404" pitchFamily="49" charset="0"/>
+                <a:cs typeface="Courier New" panose="02070309020205020404" pitchFamily="49" charset="0"/>
+              </a:rPr>
+              <a:t>di, </a:t>
+            </a:r>
+            <a:r>
+              <a:rPr lang="pt-BR" dirty="0" smtClean="0">
+                <a:latin typeface="Courier New" panose="02070309020205020404" pitchFamily="49" charset="0"/>
+                <a:cs typeface="Courier New" panose="02070309020205020404" pitchFamily="49" charset="0"/>
+              </a:rPr>
+              <a:t>2                     // data        2</a:t>
+            </a:r>
+            <a:endParaRPr lang="pt-BR" dirty="0">
+              <a:latin typeface="Courier New" panose="02070309020205020404" pitchFamily="49" charset="0"/>
+              <a:cs typeface="Courier New" panose="02070309020205020404" pitchFamily="49" charset="0"/>
+            </a:endParaRPr>
+          </a:p>
+          <a:p>
+            <a:r>
+              <a:rPr lang="pt-BR" dirty="0">
+                <a:latin typeface="Courier New" panose="02070309020205020404" pitchFamily="49" charset="0"/>
+                <a:cs typeface="Courier New" panose="02070309020205020404" pitchFamily="49" charset="0"/>
+              </a:rPr>
+              <a:t>r, 1, a, add, R0, R1, </a:t>
+            </a:r>
+            <a:r>
+              <a:rPr lang="pt-BR" dirty="0" smtClean="0">
+                <a:latin typeface="Courier New" panose="02070309020205020404" pitchFamily="49" charset="0"/>
+                <a:cs typeface="Courier New" panose="02070309020205020404" pitchFamily="49" charset="0"/>
+              </a:rPr>
+              <a:t>R2  // r0 := r1 + r2</a:t>
+            </a:r>
+            <a:endParaRPr lang="pt-BR" dirty="0">
+              <a:latin typeface="Courier New" panose="02070309020205020404" pitchFamily="49" charset="0"/>
+              <a:cs typeface="Courier New" panose="02070309020205020404" pitchFamily="49" charset="0"/>
+            </a:endParaRPr>
+          </a:p>
+          <a:p>
+            <a:endParaRPr lang="ru-RU" dirty="0">
+              <a:latin typeface="Courier New" panose="02070309020205020404" pitchFamily="49" charset="0"/>
+              <a:cs typeface="Courier New" panose="02070309020205020404" pitchFamily="49" charset="0"/>
+            </a:endParaRPr>
           </a:p>
         </p:txBody>
       </p:sp>
@@ -6007,6 +6088,83 @@
               <a:t> flags</a:t>
             </a:r>
             <a:endParaRPr lang="ru-RU" dirty="0"/>
+          </a:p>
+        </p:txBody>
+      </p:sp>
+      <p:sp>
+        <p:nvSpPr>
+          <p:cNvPr id="3" name="TextBox 2"/>
+          <p:cNvSpPr txBox="1"/>
+          <p:nvPr/>
+        </p:nvSpPr>
+        <p:spPr>
+          <a:xfrm>
+            <a:off x="535707" y="5580185"/>
+            <a:ext cx="8819308" cy="646331"/>
+          </a:xfrm>
+          <a:prstGeom prst="rect">
+            <a:avLst/>
+          </a:prstGeom>
+          <a:noFill/>
+        </p:spPr>
+        <p:txBody>
+          <a:bodyPr wrap="square" rtlCol="0">
+            <a:spAutoFit/>
+          </a:bodyPr>
+          <a:lstStyle/>
+          <a:p>
+            <a:r>
+              <a:rPr lang="pt-BR" dirty="0">
+                <a:latin typeface="Courier New" panose="02070309020205020404" pitchFamily="49" charset="0"/>
+                <a:cs typeface="Courier New" panose="02070309020205020404" pitchFamily="49" charset="0"/>
+              </a:rPr>
+              <a:t>r, 0, m, sw,  R0, R3, R2, 255 </a:t>
+            </a:r>
+            <a:r>
+              <a:rPr lang="pt-BR" dirty="0" smtClean="0">
+                <a:latin typeface="Courier New" panose="02070309020205020404" pitchFamily="49" charset="0"/>
+                <a:cs typeface="Courier New" panose="02070309020205020404" pitchFamily="49" charset="0"/>
+              </a:rPr>
+              <a:t>// mem(r2+255) := r3 </a:t>
+            </a:r>
+            <a:endParaRPr lang="pt-BR" dirty="0">
+              <a:latin typeface="Courier New" panose="02070309020205020404" pitchFamily="49" charset="0"/>
+              <a:cs typeface="Courier New" panose="02070309020205020404" pitchFamily="49" charset="0"/>
+            </a:endParaRPr>
+          </a:p>
+          <a:p>
+            <a:r>
+              <a:rPr lang="pt-BR" dirty="0">
+                <a:latin typeface="Courier New" panose="02070309020205020404" pitchFamily="49" charset="0"/>
+                <a:cs typeface="Courier New" panose="02070309020205020404" pitchFamily="49" charset="0"/>
+              </a:rPr>
+              <a:t>r, 1, m, lw,  </a:t>
+            </a:r>
+            <a:r>
+              <a:rPr lang="pt-BR" dirty="0" smtClean="0">
+                <a:latin typeface="Courier New" panose="02070309020205020404" pitchFamily="49" charset="0"/>
+                <a:cs typeface="Courier New" panose="02070309020205020404" pitchFamily="49" charset="0"/>
+              </a:rPr>
+              <a:t>R0</a:t>
+            </a:r>
+            <a:r>
+              <a:rPr lang="pt-BR" dirty="0">
+                <a:latin typeface="Courier New" panose="02070309020205020404" pitchFamily="49" charset="0"/>
+                <a:cs typeface="Courier New" panose="02070309020205020404" pitchFamily="49" charset="0"/>
+              </a:rPr>
+              <a:t>, R0, R2, 255 </a:t>
+            </a:r>
+            <a:r>
+              <a:rPr lang="pt-BR" dirty="0" smtClean="0">
+                <a:latin typeface="Courier New" panose="02070309020205020404" pitchFamily="49" charset="0"/>
+                <a:cs typeface="Courier New" panose="02070309020205020404" pitchFamily="49" charset="0"/>
+              </a:rPr>
+              <a:t>// r0 := mem(r2+255)</a:t>
+            </a:r>
+            <a:endParaRPr lang="ru-RU" dirty="0">
+              <a:latin typeface="Courier New" panose="02070309020205020404" pitchFamily="49" charset="0"/>
+              <a:cs typeface="Courier New" panose="02070309020205020404" pitchFamily="49" charset="0"/>
+            </a:endParaRPr>
           </a:p>
         </p:txBody>
       </p:sp>

--- a/trunk/DOC/isa_encoding.pptx
+++ b/trunk/DOC/isa_encoding.pptx
@@ -245,7 +245,7 @@
           <a:p>
             <a:fld id="{EE595349-DA93-472D-828A-76CE9E4C1479}" type="datetimeFigureOut">
               <a:rPr lang="ru-RU" smtClean="0"/>
-              <a:t>15.08.2014</a:t>
+              <a:t>17.09.2014</a:t>
             </a:fld>
             <a:endParaRPr lang="ru-RU"/>
           </a:p>
@@ -415,7 +415,7 @@
           <a:p>
             <a:fld id="{EE595349-DA93-472D-828A-76CE9E4C1479}" type="datetimeFigureOut">
               <a:rPr lang="ru-RU" smtClean="0"/>
-              <a:t>15.08.2014</a:t>
+              <a:t>17.09.2014</a:t>
             </a:fld>
             <a:endParaRPr lang="ru-RU"/>
           </a:p>
@@ -595,7 +595,7 @@
           <a:p>
             <a:fld id="{EE595349-DA93-472D-828A-76CE9E4C1479}" type="datetimeFigureOut">
               <a:rPr lang="ru-RU" smtClean="0"/>
-              <a:t>15.08.2014</a:t>
+              <a:t>17.09.2014</a:t>
             </a:fld>
             <a:endParaRPr lang="ru-RU"/>
           </a:p>
@@ -765,7 +765,7 @@
           <a:p>
             <a:fld id="{EE595349-DA93-472D-828A-76CE9E4C1479}" type="datetimeFigureOut">
               <a:rPr lang="ru-RU" smtClean="0"/>
-              <a:t>15.08.2014</a:t>
+              <a:t>17.09.2014</a:t>
             </a:fld>
             <a:endParaRPr lang="ru-RU"/>
           </a:p>
@@ -1011,7 +1011,7 @@
           <a:p>
             <a:fld id="{EE595349-DA93-472D-828A-76CE9E4C1479}" type="datetimeFigureOut">
               <a:rPr lang="ru-RU" smtClean="0"/>
-              <a:t>15.08.2014</a:t>
+              <a:t>17.09.2014</a:t>
             </a:fld>
             <a:endParaRPr lang="ru-RU"/>
           </a:p>
@@ -1243,7 +1243,7 @@
           <a:p>
             <a:fld id="{EE595349-DA93-472D-828A-76CE9E4C1479}" type="datetimeFigureOut">
               <a:rPr lang="ru-RU" smtClean="0"/>
-              <a:t>15.08.2014</a:t>
+              <a:t>17.09.2014</a:t>
             </a:fld>
             <a:endParaRPr lang="ru-RU"/>
           </a:p>
@@ -1610,7 +1610,7 @@
           <a:p>
             <a:fld id="{EE595349-DA93-472D-828A-76CE9E4C1479}" type="datetimeFigureOut">
               <a:rPr lang="ru-RU" smtClean="0"/>
-              <a:t>15.08.2014</a:t>
+              <a:t>17.09.2014</a:t>
             </a:fld>
             <a:endParaRPr lang="ru-RU"/>
           </a:p>
@@ -1728,7 +1728,7 @@
           <a:p>
             <a:fld id="{EE595349-DA93-472D-828A-76CE9E4C1479}" type="datetimeFigureOut">
               <a:rPr lang="ru-RU" smtClean="0"/>
-              <a:t>15.08.2014</a:t>
+              <a:t>17.09.2014</a:t>
             </a:fld>
             <a:endParaRPr lang="ru-RU"/>
           </a:p>
@@ -1823,7 +1823,7 @@
           <a:p>
             <a:fld id="{EE595349-DA93-472D-828A-76CE9E4C1479}" type="datetimeFigureOut">
               <a:rPr lang="ru-RU" smtClean="0"/>
-              <a:t>15.08.2014</a:t>
+              <a:t>17.09.2014</a:t>
             </a:fld>
             <a:endParaRPr lang="ru-RU"/>
           </a:p>
@@ -2100,7 +2100,7 @@
           <a:p>
             <a:fld id="{EE595349-DA93-472D-828A-76CE9E4C1479}" type="datetimeFigureOut">
               <a:rPr lang="ru-RU" smtClean="0"/>
-              <a:t>15.08.2014</a:t>
+              <a:t>17.09.2014</a:t>
             </a:fld>
             <a:endParaRPr lang="ru-RU"/>
           </a:p>
@@ -2353,7 +2353,7 @@
           <a:p>
             <a:fld id="{EE595349-DA93-472D-828A-76CE9E4C1479}" type="datetimeFigureOut">
               <a:rPr lang="ru-RU" smtClean="0"/>
-              <a:t>15.08.2014</a:t>
+              <a:t>17.09.2014</a:t>
             </a:fld>
             <a:endParaRPr lang="ru-RU"/>
           </a:p>
@@ -2566,7 +2566,7 @@
           <a:p>
             <a:fld id="{EE595349-DA93-472D-828A-76CE9E4C1479}" type="datetimeFigureOut">
               <a:rPr lang="ru-RU" smtClean="0"/>
-              <a:t>15.08.2014</a:t>
+              <a:t>17.09.2014</a:t>
             </a:fld>
             <a:endParaRPr lang="ru-RU"/>
           </a:p>
@@ -6099,8 +6099,8 @@
         </p:nvSpPr>
         <p:spPr>
           <a:xfrm>
-            <a:off x="535707" y="5580185"/>
-            <a:ext cx="8819308" cy="646331"/>
+            <a:off x="791117" y="5247810"/>
+            <a:ext cx="10509929" cy="1477328"/>
           </a:xfrm>
           <a:prstGeom prst="rect">
             <a:avLst/>
@@ -6159,9 +6159,101 @@
                 <a:latin typeface="Courier New" panose="02070309020205020404" pitchFamily="49" charset="0"/>
                 <a:cs typeface="Courier New" panose="02070309020205020404" pitchFamily="49" charset="0"/>
               </a:rPr>
-              <a:t>// r0 := mem(r2+255)</a:t>
-            </a:r>
-            <a:endParaRPr lang="ru-RU" dirty="0">
+              <a:t>// r0 := mem(r2+255</a:t>
+            </a:r>
+            <a:r>
+              <a:rPr lang="pt-BR" dirty="0" smtClean="0">
+                <a:latin typeface="Courier New" panose="02070309020205020404" pitchFamily="49" charset="0"/>
+                <a:cs typeface="Courier New" panose="02070309020205020404" pitchFamily="49" charset="0"/>
+              </a:rPr>
+              <a:t>)</a:t>
+            </a:r>
+          </a:p>
+          <a:p>
+            <a:r>
+              <a:rPr lang="pt-BR" dirty="0">
+                <a:latin typeface="Courier New" panose="02070309020205020404" pitchFamily="49" charset="0"/>
+                <a:cs typeface="Courier New" panose="02070309020205020404" pitchFamily="49" charset="0"/>
+              </a:rPr>
+              <a:t> </a:t>
+            </a:r>
+            <a:r>
+              <a:rPr lang="pt-BR" dirty="0" smtClean="0">
+                <a:latin typeface="Courier New" panose="02070309020205020404" pitchFamily="49" charset="0"/>
+                <a:cs typeface="Courier New" panose="02070309020205020404" pitchFamily="49" charset="0"/>
+              </a:rPr>
+              <a:t>                             //</a:t>
+            </a:r>
+            <a:endParaRPr lang="pt-BR" dirty="0" smtClean="0">
+              <a:latin typeface="Courier New" panose="02070309020205020404" pitchFamily="49" charset="0"/>
+              <a:cs typeface="Courier New" panose="02070309020205020404" pitchFamily="49" charset="0"/>
+            </a:endParaRPr>
+          </a:p>
+          <a:p>
+            <a:r>
+              <a:rPr lang="pt-BR" dirty="0">
+                <a:latin typeface="Courier New" panose="02070309020205020404" pitchFamily="49" charset="0"/>
+                <a:cs typeface="Courier New" panose="02070309020205020404" pitchFamily="49" charset="0"/>
+              </a:rPr>
+              <a:t>i, 0, m, sw,  R0, R3, R2, 255 </a:t>
+            </a:r>
+            <a:r>
+              <a:rPr lang="pt-BR" dirty="0" smtClean="0">
+                <a:latin typeface="Courier New" panose="02070309020205020404" pitchFamily="49" charset="0"/>
+                <a:cs typeface="Courier New" panose="02070309020205020404" pitchFamily="49" charset="0"/>
+              </a:rPr>
+              <a:t>// mem(r2+1024) </a:t>
+            </a:r>
+            <a:r>
+              <a:rPr lang="pt-BR" dirty="0">
+                <a:latin typeface="Courier New" panose="02070309020205020404" pitchFamily="49" charset="0"/>
+                <a:cs typeface="Courier New" panose="02070309020205020404" pitchFamily="49" charset="0"/>
+              </a:rPr>
+              <a:t>:= </a:t>
+            </a:r>
+            <a:r>
+              <a:rPr lang="pt-BR" dirty="0" smtClean="0">
+                <a:latin typeface="Courier New" panose="02070309020205020404" pitchFamily="49" charset="0"/>
+                <a:cs typeface="Courier New" panose="02070309020205020404" pitchFamily="49" charset="0"/>
+              </a:rPr>
+              <a:t>r3   </a:t>
+            </a:r>
+            <a:r>
+              <a:rPr lang="pt-BR" dirty="0" smtClean="0">
+                <a:latin typeface="Courier New" panose="02070309020205020404" pitchFamily="49" charset="0"/>
+                <a:cs typeface="Courier New" panose="02070309020205020404" pitchFamily="49" charset="0"/>
+                <a:sym typeface="Wingdings" panose="05000000000000000000" pitchFamily="2" charset="2"/>
+              </a:rPr>
+              <a:t></a:t>
+            </a:r>
+            <a:r>
+              <a:rPr lang="pt-BR" dirty="0" smtClean="0">
+                <a:latin typeface="Courier New" panose="02070309020205020404" pitchFamily="49" charset="0"/>
+                <a:cs typeface="Courier New" panose="02070309020205020404" pitchFamily="49" charset="0"/>
+              </a:rPr>
+              <a:t> ‘255’ is ignored </a:t>
+            </a:r>
+            <a:endParaRPr lang="pt-BR" dirty="0">
+              <a:latin typeface="Courier New" panose="02070309020205020404" pitchFamily="49" charset="0"/>
+              <a:cs typeface="Courier New" panose="02070309020205020404" pitchFamily="49" charset="0"/>
+            </a:endParaRPr>
+          </a:p>
+          <a:p>
+            <a:r>
+              <a:rPr lang="pt-BR" dirty="0">
+                <a:latin typeface="Courier New" panose="02070309020205020404" pitchFamily="49" charset="0"/>
+                <a:cs typeface="Courier New" panose="02070309020205020404" pitchFamily="49" charset="0"/>
+              </a:rPr>
+              <a:t>di, </a:t>
+            </a:r>
+            <a:r>
+              <a:rPr lang="pt-BR" dirty="0" smtClean="0">
+                <a:latin typeface="Courier New" panose="02070309020205020404" pitchFamily="49" charset="0"/>
+                <a:cs typeface="Courier New" panose="02070309020205020404" pitchFamily="49" charset="0"/>
+              </a:rPr>
+              <a:t>1024</a:t>
+            </a:r>
+            <a:endParaRPr lang="pt-BR" dirty="0">
               <a:latin typeface="Courier New" panose="02070309020205020404" pitchFamily="49" charset="0"/>
               <a:cs typeface="Courier New" panose="02070309020205020404" pitchFamily="49" charset="0"/>
             </a:endParaRPr>

--- a/trunk/DOC/isa_encoding.pptx
+++ b/trunk/DOC/isa_encoding.pptx
@@ -245,7 +245,7 @@
           <a:p>
             <a:fld id="{EE595349-DA93-472D-828A-76CE9E4C1479}" type="datetimeFigureOut">
               <a:rPr lang="ru-RU" smtClean="0"/>
-              <a:t>17.09.2014</a:t>
+              <a:t>03.03.2015</a:t>
             </a:fld>
             <a:endParaRPr lang="ru-RU"/>
           </a:p>
@@ -415,7 +415,7 @@
           <a:p>
             <a:fld id="{EE595349-DA93-472D-828A-76CE9E4C1479}" type="datetimeFigureOut">
               <a:rPr lang="ru-RU" smtClean="0"/>
-              <a:t>17.09.2014</a:t>
+              <a:t>03.03.2015</a:t>
             </a:fld>
             <a:endParaRPr lang="ru-RU"/>
           </a:p>
@@ -595,7 +595,7 @@
           <a:p>
             <a:fld id="{EE595349-DA93-472D-828A-76CE9E4C1479}" type="datetimeFigureOut">
               <a:rPr lang="ru-RU" smtClean="0"/>
-              <a:t>17.09.2014</a:t>
+              <a:t>03.03.2015</a:t>
             </a:fld>
             <a:endParaRPr lang="ru-RU"/>
           </a:p>
@@ -765,7 +765,7 @@
           <a:p>
             <a:fld id="{EE595349-DA93-472D-828A-76CE9E4C1479}" type="datetimeFigureOut">
               <a:rPr lang="ru-RU" smtClean="0"/>
-              <a:t>17.09.2014</a:t>
+              <a:t>03.03.2015</a:t>
             </a:fld>
             <a:endParaRPr lang="ru-RU"/>
           </a:p>
@@ -1011,7 +1011,7 @@
           <a:p>
             <a:fld id="{EE595349-DA93-472D-828A-76CE9E4C1479}" type="datetimeFigureOut">
               <a:rPr lang="ru-RU" smtClean="0"/>
-              <a:t>17.09.2014</a:t>
+              <a:t>03.03.2015</a:t>
             </a:fld>
             <a:endParaRPr lang="ru-RU"/>
           </a:p>
@@ -1243,7 +1243,7 @@
           <a:p>
             <a:fld id="{EE595349-DA93-472D-828A-76CE9E4C1479}" type="datetimeFigureOut">
               <a:rPr lang="ru-RU" smtClean="0"/>
-              <a:t>17.09.2014</a:t>
+              <a:t>03.03.2015</a:t>
             </a:fld>
             <a:endParaRPr lang="ru-RU"/>
           </a:p>
@@ -1610,7 +1610,7 @@
           <a:p>
             <a:fld id="{EE595349-DA93-472D-828A-76CE9E4C1479}" type="datetimeFigureOut">
               <a:rPr lang="ru-RU" smtClean="0"/>
-              <a:t>17.09.2014</a:t>
+              <a:t>03.03.2015</a:t>
             </a:fld>
             <a:endParaRPr lang="ru-RU"/>
           </a:p>
@@ -1728,7 +1728,7 @@
           <a:p>
             <a:fld id="{EE595349-DA93-472D-828A-76CE9E4C1479}" type="datetimeFigureOut">
               <a:rPr lang="ru-RU" smtClean="0"/>
-              <a:t>17.09.2014</a:t>
+              <a:t>03.03.2015</a:t>
             </a:fld>
             <a:endParaRPr lang="ru-RU"/>
           </a:p>
@@ -1823,7 +1823,7 @@
           <a:p>
             <a:fld id="{EE595349-DA93-472D-828A-76CE9E4C1479}" type="datetimeFigureOut">
               <a:rPr lang="ru-RU" smtClean="0"/>
-              <a:t>17.09.2014</a:t>
+              <a:t>03.03.2015</a:t>
             </a:fld>
             <a:endParaRPr lang="ru-RU"/>
           </a:p>
@@ -2100,7 +2100,7 @@
           <a:p>
             <a:fld id="{EE595349-DA93-472D-828A-76CE9E4C1479}" type="datetimeFigureOut">
               <a:rPr lang="ru-RU" smtClean="0"/>
-              <a:t>17.09.2014</a:t>
+              <a:t>03.03.2015</a:t>
             </a:fld>
             <a:endParaRPr lang="ru-RU"/>
           </a:p>
@@ -2353,7 +2353,7 @@
           <a:p>
             <a:fld id="{EE595349-DA93-472D-828A-76CE9E4C1479}" type="datetimeFigureOut">
               <a:rPr lang="ru-RU" smtClean="0"/>
-              <a:t>17.09.2014</a:t>
+              <a:t>03.03.2015</a:t>
             </a:fld>
             <a:endParaRPr lang="ru-RU"/>
           </a:p>
@@ -2566,7 +2566,7 @@
           <a:p>
             <a:fld id="{EE595349-DA93-472D-828A-76CE9E4C1479}" type="datetimeFigureOut">
               <a:rPr lang="ru-RU" smtClean="0"/>
-              <a:t>17.09.2014</a:t>
+              <a:t>03.03.2015</a:t>
             </a:fld>
             <a:endParaRPr lang="ru-RU"/>
           </a:p>
@@ -6159,35 +6159,24 @@
                 <a:latin typeface="Courier New" panose="02070309020205020404" pitchFamily="49" charset="0"/>
                 <a:cs typeface="Courier New" panose="02070309020205020404" pitchFamily="49" charset="0"/>
               </a:rPr>
-              <a:t>// r0 := mem(r2+255</a:t>
+              <a:t>// r0 := mem(r2+255)</a:t>
+            </a:r>
+          </a:p>
+          <a:p>
+            <a:r>
+              <a:rPr lang="pt-BR" dirty="0">
+                <a:latin typeface="Courier New" panose="02070309020205020404" pitchFamily="49" charset="0"/>
+                <a:cs typeface="Courier New" panose="02070309020205020404" pitchFamily="49" charset="0"/>
+              </a:rPr>
+              <a:t> </a:t>
             </a:r>
             <a:r>
               <a:rPr lang="pt-BR" dirty="0" smtClean="0">
                 <a:latin typeface="Courier New" panose="02070309020205020404" pitchFamily="49" charset="0"/>
                 <a:cs typeface="Courier New" panose="02070309020205020404" pitchFamily="49" charset="0"/>
               </a:rPr>
-              <a:t>)</a:t>
-            </a:r>
-          </a:p>
-          <a:p>
-            <a:r>
-              <a:rPr lang="pt-BR" dirty="0">
-                <a:latin typeface="Courier New" panose="02070309020205020404" pitchFamily="49" charset="0"/>
-                <a:cs typeface="Courier New" panose="02070309020205020404" pitchFamily="49" charset="0"/>
-              </a:rPr>
-              <a:t> </a:t>
-            </a:r>
-            <a:r>
-              <a:rPr lang="pt-BR" dirty="0" smtClean="0">
-                <a:latin typeface="Courier New" panose="02070309020205020404" pitchFamily="49" charset="0"/>
-                <a:cs typeface="Courier New" panose="02070309020205020404" pitchFamily="49" charset="0"/>
-              </a:rPr>
               <a:t>                             //</a:t>
             </a:r>
-            <a:endParaRPr lang="pt-BR" dirty="0" smtClean="0">
-              <a:latin typeface="Courier New" panose="02070309020205020404" pitchFamily="49" charset="0"/>
-              <a:cs typeface="Courier New" panose="02070309020205020404" pitchFamily="49" charset="0"/>
-            </a:endParaRPr>
           </a:p>
           <a:p>
             <a:r>
